--- a/documentacion/Edición de imagenes.pptx
+++ b/documentacion/Edición de imagenes.pptx
@@ -104,6 +104,11 @@
       </a:defRPr>
     </a:lvl9pPr>
   </p:defaultTextStyle>
+  <p:extLst>
+    <p:ext uri="{EFAFB233-063F-42B5-8137-9DF3F51BA10A}">
+      <p15:sldGuideLst xmlns:p15="http://schemas.microsoft.com/office/powerpoint/2012/main"/>
+    </p:ext>
+  </p:extLst>
 </p:presentation>
 </file>
 
@@ -3403,16 +3408,16 @@
           </a:prstGeom>
           <a:gradFill flip="none" rotWithShape="1">
             <a:gsLst>
-              <a:gs pos="48000">
+              <a:gs pos="73000">
                 <a:srgbClr val="2B9D91"/>
               </a:gs>
-              <a:gs pos="74000">
+              <a:gs pos="86000">
                 <a:schemeClr val="accent5">
                   <a:lumMod val="45000"/>
                   <a:lumOff val="55000"/>
                 </a:schemeClr>
               </a:gs>
-              <a:gs pos="83000">
+              <a:gs pos="89000">
                 <a:schemeClr val="accent5">
                   <a:lumMod val="45000"/>
                   <a:lumOff val="55000"/>
@@ -3453,7 +3458,7 @@
           <a:lstStyle/>
           <a:p>
             <a:pPr algn="ctr"/>
-            <a:endParaRPr lang="es-CR">
+            <a:endParaRPr lang="es-CR" dirty="0">
               <a:solidFill>
                 <a:schemeClr val="tx1"/>
               </a:solidFill>
